--- a/3_Design/Presentation.pptx
+++ b/3_Design/Presentation.pptx
@@ -335,7 +335,7 @@
           <a:p>
             <a:fld id="{78ABE3C1-DBE1-495D-B57B-2849774B866A}" type="datetimeFigureOut">
               <a:rPr lang="en-US" smtClean="0"/>
-              <a:t>8/30/25</a:t>
+              <a:t>9/1/25</a:t>
             </a:fld>
             <a:endParaRPr lang="en-US" dirty="0"/>
           </a:p>
@@ -670,7 +670,7 @@
           <a:p>
             <a:fld id="{1FA3F48C-C7C6-4055-9F49-3777875E72AE}" type="datetimeFigureOut">
               <a:rPr lang="en-US" smtClean="0"/>
-              <a:t>8/30/25</a:t>
+              <a:t>9/1/25</a:t>
             </a:fld>
             <a:endParaRPr lang="en-US" dirty="0"/>
           </a:p>
@@ -973,7 +973,7 @@
           <a:p>
             <a:fld id="{6178E61D-D431-422C-9764-11DAFE33AB63}" type="datetimeFigureOut">
               <a:rPr lang="en-US" smtClean="0"/>
-              <a:t>8/30/25</a:t>
+              <a:t>9/1/25</a:t>
             </a:fld>
             <a:endParaRPr lang="en-US" dirty="0"/>
           </a:p>
@@ -1222,7 +1222,7 @@
           <a:p>
             <a:fld id="{12DE42F4-6EEF-4EF7-8ED4-2208F0F89A08}" type="datetimeFigureOut">
               <a:rPr lang="en-US" smtClean="0"/>
-              <a:t>8/30/25</a:t>
+              <a:t>9/1/25</a:t>
             </a:fld>
             <a:endParaRPr lang="en-US" dirty="0"/>
           </a:p>
@@ -1630,7 +1630,7 @@
           <a:p>
             <a:fld id="{30578ACC-22D6-47C1-A373-4FD133E34F3C}" type="datetimeFigureOut">
               <a:rPr lang="en-US" smtClean="0"/>
-              <a:t>8/30/25</a:t>
+              <a:t>9/1/25</a:t>
             </a:fld>
             <a:endParaRPr lang="en-US" dirty="0"/>
           </a:p>
@@ -1945,7 +1945,7 @@
           <a:p>
             <a:fld id="{4E5A6C69-6797-4E8A-BF37-F2C3751466E9}" type="datetimeFigureOut">
               <a:rPr lang="en-US" smtClean="0"/>
-              <a:t>8/30/25</a:t>
+              <a:t>9/1/25</a:t>
             </a:fld>
             <a:endParaRPr lang="en-US" dirty="0"/>
           </a:p>
@@ -2490,7 +2490,7 @@
           <a:p>
             <a:fld id="{D82014A1-A632-4878-A0D3-F52BA7563730}" type="datetimeFigureOut">
               <a:rPr lang="en-US" smtClean="0"/>
-              <a:t>8/30/25</a:t>
+              <a:t>9/1/25</a:t>
             </a:fld>
             <a:endParaRPr lang="en-US" dirty="0"/>
           </a:p>
@@ -2686,7 +2686,7 @@
           <a:p>
             <a:fld id="{CE99F462-093F-4566-844B-4C71F2739DA5}" type="datetimeFigureOut">
               <a:rPr lang="en-US" smtClean="0"/>
-              <a:t>8/30/25</a:t>
+              <a:t>9/1/25</a:t>
             </a:fld>
             <a:endParaRPr lang="en-US" dirty="0"/>
           </a:p>
@@ -2900,7 +2900,7 @@
           <a:p>
             <a:fld id="{3D24A7AC-904D-4781-85BA-7D10C17ED021}" type="datetimeFigureOut">
               <a:rPr lang="en-US" smtClean="0"/>
-              <a:t>8/30/25</a:t>
+              <a:t>9/1/25</a:t>
             </a:fld>
             <a:endParaRPr lang="en-US" dirty="0"/>
           </a:p>
@@ -3270,7 +3270,7 @@
           <a:p>
             <a:fld id="{E331444B-B92B-4E27-8C94-BB93EAF5CB18}" type="datetimeFigureOut">
               <a:rPr lang="en-US" smtClean="0"/>
-              <a:t>8/30/25</a:t>
+              <a:t>9/1/25</a:t>
             </a:fld>
             <a:endParaRPr lang="en-US" dirty="0"/>
           </a:p>
@@ -3674,7 +3674,7 @@
           <a:p>
             <a:fld id="{363EFA5E-FA76-400D-B3DC-F0BA90E6D107}" type="datetimeFigureOut">
               <a:rPr lang="en-US" smtClean="0"/>
-              <a:t>8/30/25</a:t>
+              <a:t>9/1/25</a:t>
             </a:fld>
             <a:endParaRPr lang="en-US" dirty="0"/>
           </a:p>
@@ -3990,7 +3990,7 @@
           <a:p>
             <a:fld id="{9D6E9DEC-419B-4CC5-A080-3B06BD5A8291}" type="datetimeFigureOut">
               <a:rPr lang="en-US" smtClean="0"/>
-              <a:t>8/30/25</a:t>
+              <a:t>9/1/25</a:t>
             </a:fld>
             <a:endParaRPr lang="en-US" dirty="0"/>
           </a:p>
@@ -4958,12 +4958,8 @@
           </a:p>
           <a:p>
             <a:r>
-              <a:rPr lang="en-NL" dirty="0"/>
-              <a:t>Modelling</a:t>
-            </a:r>
-            <a:r>
               <a:rPr lang="en-NL"/>
-              <a:t>: </a:t>
+              <a:t>Modeling: </a:t>
             </a:r>
             <a:r>
               <a:rPr lang="en-US" dirty="0" err="1"/>
